--- a/data_governance/元数据中心建设.pptx
+++ b/data_governance/元数据中心建设.pptx
@@ -24,12 +24,13 @@
     <p:sldId id="270" r:id="rId18"/>
     <p:sldId id="271" r:id="rId19"/>
     <p:sldId id="272" r:id="rId20"/>
-    <p:sldId id="273" r:id="rId21"/>
-    <p:sldId id="275" r:id="rId22"/>
-    <p:sldId id="274" r:id="rId23"/>
-    <p:sldId id="276" r:id="rId24"/>
-    <p:sldId id="277" r:id="rId25"/>
-    <p:sldId id="278" r:id="rId26"/>
+    <p:sldId id="281" r:id="rId21"/>
+    <p:sldId id="273" r:id="rId22"/>
+    <p:sldId id="275" r:id="rId23"/>
+    <p:sldId id="274" r:id="rId24"/>
+    <p:sldId id="276" r:id="rId25"/>
+    <p:sldId id="277" r:id="rId26"/>
+    <p:sldId id="278" r:id="rId27"/>
   </p:sldIdLst>
   <p:sldSz cx="12192000" cy="6858000"/>
   <p:notesSz cx="6858000" cy="9144000"/>
@@ -267,7 +268,7 @@
           <a:p>
             <a:fld id="{CC6DFAC5-149E-4991-88D1-01AB0D23D359}" type="datetimeFigureOut">
               <a:rPr lang="zh-CN" altLang="en-US" smtClean="0"/>
-              <a:t>2020/4/23</a:t>
+              <a:t>2020/4/24</a:t>
             </a:fld>
             <a:endParaRPr lang="zh-CN" altLang="en-US"/>
           </a:p>
@@ -437,7 +438,7 @@
           <a:p>
             <a:fld id="{CC6DFAC5-149E-4991-88D1-01AB0D23D359}" type="datetimeFigureOut">
               <a:rPr lang="zh-CN" altLang="en-US" smtClean="0"/>
-              <a:t>2020/4/23</a:t>
+              <a:t>2020/4/24</a:t>
             </a:fld>
             <a:endParaRPr lang="zh-CN" altLang="en-US"/>
           </a:p>
@@ -617,7 +618,7 @@
           <a:p>
             <a:fld id="{CC6DFAC5-149E-4991-88D1-01AB0D23D359}" type="datetimeFigureOut">
               <a:rPr lang="zh-CN" altLang="en-US" smtClean="0"/>
-              <a:t>2020/4/23</a:t>
+              <a:t>2020/4/24</a:t>
             </a:fld>
             <a:endParaRPr lang="zh-CN" altLang="en-US"/>
           </a:p>
@@ -787,7 +788,7 @@
           <a:p>
             <a:fld id="{CC6DFAC5-149E-4991-88D1-01AB0D23D359}" type="datetimeFigureOut">
               <a:rPr lang="zh-CN" altLang="en-US" smtClean="0"/>
-              <a:t>2020/4/23</a:t>
+              <a:t>2020/4/24</a:t>
             </a:fld>
             <a:endParaRPr lang="zh-CN" altLang="en-US"/>
           </a:p>
@@ -1033,7 +1034,7 @@
           <a:p>
             <a:fld id="{CC6DFAC5-149E-4991-88D1-01AB0D23D359}" type="datetimeFigureOut">
               <a:rPr lang="zh-CN" altLang="en-US" smtClean="0"/>
-              <a:t>2020/4/23</a:t>
+              <a:t>2020/4/24</a:t>
             </a:fld>
             <a:endParaRPr lang="zh-CN" altLang="en-US"/>
           </a:p>
@@ -1265,7 +1266,7 @@
           <a:p>
             <a:fld id="{CC6DFAC5-149E-4991-88D1-01AB0D23D359}" type="datetimeFigureOut">
               <a:rPr lang="zh-CN" altLang="en-US" smtClean="0"/>
-              <a:t>2020/4/23</a:t>
+              <a:t>2020/4/24</a:t>
             </a:fld>
             <a:endParaRPr lang="zh-CN" altLang="en-US"/>
           </a:p>
@@ -1632,7 +1633,7 @@
           <a:p>
             <a:fld id="{CC6DFAC5-149E-4991-88D1-01AB0D23D359}" type="datetimeFigureOut">
               <a:rPr lang="zh-CN" altLang="en-US" smtClean="0"/>
-              <a:t>2020/4/23</a:t>
+              <a:t>2020/4/24</a:t>
             </a:fld>
             <a:endParaRPr lang="zh-CN" altLang="en-US"/>
           </a:p>
@@ -1750,7 +1751,7 @@
           <a:p>
             <a:fld id="{CC6DFAC5-149E-4991-88D1-01AB0D23D359}" type="datetimeFigureOut">
               <a:rPr lang="zh-CN" altLang="en-US" smtClean="0"/>
-              <a:t>2020/4/23</a:t>
+              <a:t>2020/4/24</a:t>
             </a:fld>
             <a:endParaRPr lang="zh-CN" altLang="en-US"/>
           </a:p>
@@ -1845,7 +1846,7 @@
           <a:p>
             <a:fld id="{CC6DFAC5-149E-4991-88D1-01AB0D23D359}" type="datetimeFigureOut">
               <a:rPr lang="zh-CN" altLang="en-US" smtClean="0"/>
-              <a:t>2020/4/23</a:t>
+              <a:t>2020/4/24</a:t>
             </a:fld>
             <a:endParaRPr lang="zh-CN" altLang="en-US"/>
           </a:p>
@@ -2122,7 +2123,7 @@
           <a:p>
             <a:fld id="{CC6DFAC5-149E-4991-88D1-01AB0D23D359}" type="datetimeFigureOut">
               <a:rPr lang="zh-CN" altLang="en-US" smtClean="0"/>
-              <a:t>2020/4/23</a:t>
+              <a:t>2020/4/24</a:t>
             </a:fld>
             <a:endParaRPr lang="zh-CN" altLang="en-US"/>
           </a:p>
@@ -2375,7 +2376,7 @@
           <a:p>
             <a:fld id="{CC6DFAC5-149E-4991-88D1-01AB0D23D359}" type="datetimeFigureOut">
               <a:rPr lang="zh-CN" altLang="en-US" smtClean="0"/>
-              <a:t>2020/4/23</a:t>
+              <a:t>2020/4/24</a:t>
             </a:fld>
             <a:endParaRPr lang="zh-CN" altLang="en-US"/>
           </a:p>
@@ -2588,7 +2589,7 @@
           <a:p>
             <a:fld id="{CC6DFAC5-149E-4991-88D1-01AB0D23D359}" type="datetimeFigureOut">
               <a:rPr lang="zh-CN" altLang="en-US" smtClean="0"/>
-              <a:t>2020/4/23</a:t>
+              <a:t>2020/4/24</a:t>
             </a:fld>
             <a:endParaRPr lang="zh-CN" altLang="en-US"/>
           </a:p>
@@ -3329,11 +3330,7 @@
           <a:p>
             <a:r>
               <a:rPr lang="zh-CN" altLang="en-US" dirty="0" smtClean="0"/>
-              <a:t>数据中台的</a:t>
-            </a:r>
-            <a:r>
-              <a:rPr lang="zh-CN" altLang="en-US" dirty="0" smtClean="0"/>
-              <a:t>建设</a:t>
+              <a:t>数据中台的建设</a:t>
             </a:r>
             <a:endParaRPr lang="zh-CN" altLang="en-US" dirty="0"/>
           </a:p>
@@ -3458,11 +3455,7 @@
             </a:pPr>
             <a:r>
               <a:rPr lang="zh-CN" altLang="en-US" dirty="0" smtClean="0"/>
-              <a:t>                                     传统</a:t>
-            </a:r>
-            <a:r>
-              <a:rPr lang="zh-CN" altLang="en-US" dirty="0" smtClean="0"/>
-              <a:t>数据平台 </a:t>
+              <a:t>                                     传统数据平台 </a:t>
             </a:r>
             <a:r>
               <a:rPr lang="en-US" altLang="zh-CN" dirty="0" smtClean="0"/>
@@ -5237,6 +5230,60 @@
           <a:chExt cx="0" cy="0"/>
         </a:xfrm>
       </p:grpSpPr>
+      <p:pic>
+        <p:nvPicPr>
+          <p:cNvPr id="3" name="图片 2"/>
+          <p:cNvPicPr>
+            <a:picLocks noChangeAspect="1"/>
+          </p:cNvPicPr>
+          <p:nvPr/>
+        </p:nvPicPr>
+        <p:blipFill>
+          <a:blip r:embed="rId2"/>
+          <a:stretch>
+            <a:fillRect/>
+          </a:stretch>
+        </p:blipFill>
+        <p:spPr>
+          <a:xfrm>
+            <a:off x="397815" y="284421"/>
+            <a:ext cx="11267723" cy="5275262"/>
+          </a:xfrm>
+          <a:prstGeom prst="rect">
+            <a:avLst/>
+          </a:prstGeom>
+        </p:spPr>
+      </p:pic>
+    </p:spTree>
+    <p:extLst>
+      <p:ext uri="{BB962C8B-B14F-4D97-AF65-F5344CB8AC3E}">
+        <p14:creationId xmlns:p14="http://schemas.microsoft.com/office/powerpoint/2010/main" val="2962029681"/>
+      </p:ext>
+    </p:extLst>
+  </p:cSld>
+  <p:clrMapOvr>
+    <a:masterClrMapping/>
+  </p:clrMapOvr>
+</p:sld>
+</file>
+
+<file path=ppt/slides/slide21.xml><?xml version="1.0" encoding="utf-8"?>
+<p:sld xmlns:a="http://schemas.openxmlformats.org/drawingml/2006/main" xmlns:r="http://schemas.openxmlformats.org/officeDocument/2006/relationships" xmlns:p="http://schemas.openxmlformats.org/presentationml/2006/main">
+  <p:cSld>
+    <p:spTree>
+      <p:nvGrpSpPr>
+        <p:cNvPr id="1" name=""/>
+        <p:cNvGrpSpPr/>
+        <p:nvPr/>
+      </p:nvGrpSpPr>
+      <p:grpSpPr>
+        <a:xfrm>
+          <a:off x="0" y="0"/>
+          <a:ext cx="0" cy="0"/>
+          <a:chOff x="0" y="0"/>
+          <a:chExt cx="0" cy="0"/>
+        </a:xfrm>
+      </p:grpSpPr>
       <p:sp>
         <p:nvSpPr>
           <p:cNvPr id="2" name="标题 1"/>
@@ -5404,7 +5451,7 @@
 </p:sld>
 </file>
 
-<file path=ppt/slides/slide21.xml><?xml version="1.0" encoding="utf-8"?>
+<file path=ppt/slides/slide22.xml><?xml version="1.0" encoding="utf-8"?>
 <p:sld xmlns:a="http://schemas.openxmlformats.org/drawingml/2006/main" xmlns:r="http://schemas.openxmlformats.org/officeDocument/2006/relationships" xmlns:p="http://schemas.openxmlformats.org/presentationml/2006/main">
   <p:cSld>
     <p:spTree>
@@ -5472,11 +5519,7 @@
             </a:pPr>
             <a:r>
               <a:rPr lang="zh-CN" altLang="en-US" sz="3200" b="1" dirty="0" smtClean="0"/>
-              <a:t>意识到</a:t>
-            </a:r>
-            <a:r>
-              <a:rPr lang="zh-CN" altLang="en-US" sz="3200" b="1" dirty="0" smtClean="0"/>
-              <a:t>数据</a:t>
+              <a:t>意识到数据</a:t>
             </a:r>
             <a:r>
               <a:rPr lang="zh-CN" altLang="en-US" sz="3200" b="1" dirty="0"/>
@@ -5887,195 +5930,6 @@
 </p:sld>
 </file>
 
-<file path=ppt/slides/slide22.xml><?xml version="1.0" encoding="utf-8"?>
-<p:sld xmlns:a="http://schemas.openxmlformats.org/drawingml/2006/main" xmlns:r="http://schemas.openxmlformats.org/officeDocument/2006/relationships" xmlns:p="http://schemas.openxmlformats.org/presentationml/2006/main">
-  <p:cSld>
-    <p:spTree>
-      <p:nvGrpSpPr>
-        <p:cNvPr id="1" name=""/>
-        <p:cNvGrpSpPr/>
-        <p:nvPr/>
-      </p:nvGrpSpPr>
-      <p:grpSpPr>
-        <a:xfrm>
-          <a:off x="0" y="0"/>
-          <a:ext cx="0" cy="0"/>
-          <a:chOff x="0" y="0"/>
-          <a:chExt cx="0" cy="0"/>
-        </a:xfrm>
-      </p:grpSpPr>
-      <p:sp>
-        <p:nvSpPr>
-          <p:cNvPr id="2" name="标题 1"/>
-          <p:cNvSpPr>
-            <a:spLocks noGrp="1"/>
-          </p:cNvSpPr>
-          <p:nvPr>
-            <p:ph type="title"/>
-          </p:nvPr>
-        </p:nvSpPr>
-        <p:spPr/>
-        <p:txBody>
-          <a:bodyPr/>
-          <a:lstStyle/>
-          <a:p>
-            <a:r>
-              <a:rPr lang="zh-CN" altLang="en-US" dirty="0" smtClean="0"/>
-              <a:t>数据指标常见问题</a:t>
-            </a:r>
-            <a:endParaRPr lang="zh-CN" altLang="en-US" dirty="0"/>
-          </a:p>
-        </p:txBody>
-      </p:sp>
-      <p:sp>
-        <p:nvSpPr>
-          <p:cNvPr id="3" name="文本框 2"/>
-          <p:cNvSpPr txBox="1"/>
-          <p:nvPr/>
-        </p:nvSpPr>
-        <p:spPr>
-          <a:xfrm>
-            <a:off x="1025495" y="2144994"/>
-            <a:ext cx="7629012" cy="2308324"/>
-          </a:xfrm>
-          <a:prstGeom prst="rect">
-            <a:avLst/>
-          </a:prstGeom>
-          <a:noFill/>
-        </p:spPr>
-        <p:txBody>
-          <a:bodyPr wrap="none" rtlCol="0">
-            <a:spAutoFit/>
-          </a:bodyPr>
-          <a:lstStyle/>
-          <a:p>
-            <a:pPr marL="285750" indent="-285750">
-              <a:buFont typeface="Wingdings" panose="05000000000000000000" pitchFamily="2" charset="2"/>
-              <a:buChar char="Ø"/>
-            </a:pPr>
-            <a:r>
-              <a:rPr lang="zh-CN" altLang="en-US" dirty="0" smtClean="0"/>
-              <a:t>相同</a:t>
-            </a:r>
-            <a:r>
-              <a:rPr lang="zh-CN" altLang="en-US" dirty="0"/>
-              <a:t>指标名称，口径定义不同</a:t>
-            </a:r>
-          </a:p>
-          <a:p>
-            <a:pPr marL="285750" indent="-285750">
-              <a:buFont typeface="Wingdings" panose="05000000000000000000" pitchFamily="2" charset="2"/>
-              <a:buChar char="Ø"/>
-            </a:pPr>
-            <a:r>
-              <a:rPr lang="zh-CN" altLang="en-US" dirty="0" smtClean="0"/>
-              <a:t>相同</a:t>
-            </a:r>
-            <a:r>
-              <a:rPr lang="zh-CN" altLang="en-US" dirty="0"/>
-              <a:t>口径，指标名称不一样。</a:t>
-            </a:r>
-          </a:p>
-          <a:p>
-            <a:pPr marL="285750" indent="-285750">
-              <a:buFont typeface="Wingdings" panose="05000000000000000000" pitchFamily="2" charset="2"/>
-              <a:buChar char="Ø"/>
-            </a:pPr>
-            <a:r>
-              <a:rPr lang="zh-CN" altLang="en-US" dirty="0" smtClean="0"/>
-              <a:t>不同</a:t>
-            </a:r>
-            <a:r>
-              <a:rPr lang="zh-CN" altLang="en-US" dirty="0"/>
-              <a:t>限定词，描述相同事实过程的两个指标，相同事实部分口径不一致</a:t>
-            </a:r>
-          </a:p>
-          <a:p>
-            <a:pPr marL="285750" indent="-285750">
-              <a:buFont typeface="Wingdings" panose="05000000000000000000" pitchFamily="2" charset="2"/>
-              <a:buChar char="Ø"/>
-            </a:pPr>
-            <a:r>
-              <a:rPr lang="zh-CN" altLang="en-US" dirty="0" smtClean="0"/>
-              <a:t>指标</a:t>
-            </a:r>
-            <a:r>
-              <a:rPr lang="zh-CN" altLang="en-US" dirty="0"/>
-              <a:t>口径描述错误</a:t>
-            </a:r>
-          </a:p>
-          <a:p>
-            <a:pPr marL="285750" indent="-285750">
-              <a:buFont typeface="Wingdings" panose="05000000000000000000" pitchFamily="2" charset="2"/>
-              <a:buChar char="Ø"/>
-            </a:pPr>
-            <a:r>
-              <a:rPr lang="zh-CN" altLang="en-US" dirty="0" smtClean="0"/>
-              <a:t>指标</a:t>
-            </a:r>
-            <a:r>
-              <a:rPr lang="zh-CN" altLang="en-US" dirty="0"/>
-              <a:t>口径描述不</a:t>
-            </a:r>
-            <a:r>
-              <a:rPr lang="zh-CN" altLang="en-US" dirty="0" smtClean="0"/>
-              <a:t>清晰</a:t>
-            </a:r>
-            <a:endParaRPr lang="en-US" altLang="zh-CN" dirty="0" smtClean="0"/>
-          </a:p>
-          <a:p>
-            <a:pPr marL="285750" indent="-285750">
-              <a:buFont typeface="Wingdings" panose="05000000000000000000" pitchFamily="2" charset="2"/>
-              <a:buChar char="Ø"/>
-            </a:pPr>
-            <a:r>
-              <a:rPr lang="zh-CN" altLang="en-US" dirty="0" smtClean="0"/>
-              <a:t>指标</a:t>
-            </a:r>
-            <a:r>
-              <a:rPr lang="zh-CN" altLang="en-US" dirty="0"/>
-              <a:t>命名难于理解</a:t>
-            </a:r>
-          </a:p>
-          <a:p>
-            <a:pPr marL="285750" indent="-285750">
-              <a:buFont typeface="Wingdings" panose="05000000000000000000" pitchFamily="2" charset="2"/>
-              <a:buChar char="Ø"/>
-            </a:pPr>
-            <a:r>
-              <a:rPr lang="zh-CN" altLang="en-US" dirty="0" smtClean="0"/>
-              <a:t>指标</a:t>
-            </a:r>
-            <a:r>
-              <a:rPr lang="zh-CN" altLang="en-US" dirty="0"/>
-              <a:t>数据来源和计算逻辑不清晰</a:t>
-            </a:r>
-          </a:p>
-          <a:p>
-            <a:endParaRPr lang="zh-CN" altLang="en-US" dirty="0"/>
-          </a:p>
-        </p:txBody>
-      </p:sp>
-    </p:spTree>
-    <p:extLst>
-      <p:ext uri="{BB962C8B-B14F-4D97-AF65-F5344CB8AC3E}">
-        <p14:creationId xmlns:p14="http://schemas.microsoft.com/office/powerpoint/2010/main" val="1601678302"/>
-      </p:ext>
-    </p:extLst>
-  </p:cSld>
-  <p:clrMapOvr>
-    <a:masterClrMapping/>
-  </p:clrMapOvr>
-  <p:timing>
-    <p:tnLst>
-      <p:par>
-        <p:cTn id="1" dur="indefinite" restart="never" nodeType="tmRoot"/>
-      </p:par>
-    </p:tnLst>
-  </p:timing>
-</p:sld>
-</file>
-
 <file path=ppt/slides/slide23.xml><?xml version="1.0" encoding="utf-8"?>
 <p:sld xmlns:a="http://schemas.openxmlformats.org/drawingml/2006/main" xmlns:r="http://schemas.openxmlformats.org/officeDocument/2006/relationships" xmlns:p="http://schemas.openxmlformats.org/presentationml/2006/main">
   <p:cSld>
@@ -6109,12 +5963,8 @@
           <a:lstStyle/>
           <a:p>
             <a:r>
-              <a:rPr lang="zh-CN" altLang="en-US" b="1" dirty="0"/>
-              <a:t>如何规范化定义</a:t>
-            </a:r>
-            <a:r>
-              <a:rPr lang="zh-CN" altLang="en-US" b="1" dirty="0" smtClean="0"/>
-              <a:t>指标</a:t>
+              <a:rPr lang="zh-CN" altLang="en-US" dirty="0" smtClean="0"/>
+              <a:t>数据指标常见问题</a:t>
             </a:r>
             <a:endParaRPr lang="zh-CN" altLang="en-US" dirty="0"/>
           </a:p>
@@ -6128,8 +5978,8 @@
         </p:nvSpPr>
         <p:spPr>
           <a:xfrm>
-            <a:off x="1068224" y="2102265"/>
-            <a:ext cx="4093436" cy="1754326"/>
+            <a:off x="1025495" y="2144994"/>
+            <a:ext cx="7629012" cy="2308324"/>
           </a:xfrm>
           <a:prstGeom prst="rect">
             <a:avLst/>
@@ -6137,7 +5987,7 @@
           <a:noFill/>
         </p:spPr>
         <p:txBody>
-          <a:bodyPr wrap="square" rtlCol="0">
+          <a:bodyPr wrap="none" rtlCol="0">
             <a:spAutoFit/>
           </a:bodyPr>
           <a:lstStyle/>
@@ -6148,11 +5998,11 @@
             </a:pPr>
             <a:r>
               <a:rPr lang="zh-CN" altLang="en-US" dirty="0" smtClean="0"/>
-              <a:t>面向</a:t>
+              <a:t>相同</a:t>
             </a:r>
             <a:r>
               <a:rPr lang="zh-CN" altLang="en-US" dirty="0"/>
-              <a:t>主题域管理。</a:t>
+              <a:t>指标名称，口径定义不同</a:t>
             </a:r>
           </a:p>
           <a:p>
@@ -6162,11 +6012,11 @@
             </a:pPr>
             <a:r>
               <a:rPr lang="zh-CN" altLang="en-US" dirty="0" smtClean="0"/>
-              <a:t>拆分</a:t>
+              <a:t>相同</a:t>
             </a:r>
             <a:r>
               <a:rPr lang="zh-CN" altLang="en-US" dirty="0"/>
-              <a:t>原子指标和派生指标</a:t>
+              <a:t>口径，指标名称不一样。</a:t>
             </a:r>
           </a:p>
           <a:p>
@@ -6176,11 +6026,11 @@
             </a:pPr>
             <a:r>
               <a:rPr lang="zh-CN" altLang="en-US" dirty="0" smtClean="0"/>
-              <a:t>遵循</a:t>
+              <a:t>不同</a:t>
             </a:r>
             <a:r>
               <a:rPr lang="zh-CN" altLang="en-US" dirty="0"/>
-              <a:t>指标命名规范</a:t>
+              <a:t>限定词，描述相同事实过程的两个指标，相同事实部分口径不一致</a:t>
             </a:r>
           </a:p>
           <a:p>
@@ -6190,11 +6040,11 @@
             </a:pPr>
             <a:r>
               <a:rPr lang="zh-CN" altLang="en-US" dirty="0" smtClean="0"/>
-              <a:t>关联</a:t>
+              <a:t>指标</a:t>
             </a:r>
             <a:r>
               <a:rPr lang="zh-CN" altLang="en-US" dirty="0"/>
-              <a:t>的应用和可分析维度</a:t>
+              <a:t>口径描述错误</a:t>
             </a:r>
           </a:p>
           <a:p>
@@ -6204,11 +6054,44 @@
             </a:pPr>
             <a:r>
               <a:rPr lang="zh-CN" altLang="en-US" dirty="0" smtClean="0"/>
-              <a:t>分</a:t>
+              <a:t>指标</a:t>
             </a:r>
             <a:r>
               <a:rPr lang="zh-CN" altLang="en-US" dirty="0"/>
-              <a:t>等级管理</a:t>
+              <a:t>口径描述不</a:t>
+            </a:r>
+            <a:r>
+              <a:rPr lang="zh-CN" altLang="en-US" dirty="0" smtClean="0"/>
+              <a:t>清晰</a:t>
+            </a:r>
+            <a:endParaRPr lang="en-US" altLang="zh-CN" dirty="0" smtClean="0"/>
+          </a:p>
+          <a:p>
+            <a:pPr marL="285750" indent="-285750">
+              <a:buFont typeface="Wingdings" panose="05000000000000000000" pitchFamily="2" charset="2"/>
+              <a:buChar char="Ø"/>
+            </a:pPr>
+            <a:r>
+              <a:rPr lang="zh-CN" altLang="en-US" dirty="0" smtClean="0"/>
+              <a:t>指标</a:t>
+            </a:r>
+            <a:r>
+              <a:rPr lang="zh-CN" altLang="en-US" dirty="0"/>
+              <a:t>命名难于理解</a:t>
+            </a:r>
+          </a:p>
+          <a:p>
+            <a:pPr marL="285750" indent="-285750">
+              <a:buFont typeface="Wingdings" panose="05000000000000000000" pitchFamily="2" charset="2"/>
+              <a:buChar char="Ø"/>
+            </a:pPr>
+            <a:r>
+              <a:rPr lang="zh-CN" altLang="en-US" dirty="0" smtClean="0"/>
+              <a:t>指标</a:t>
+            </a:r>
+            <a:r>
+              <a:rPr lang="zh-CN" altLang="en-US" dirty="0"/>
+              <a:t>数据来源和计算逻辑不清晰</a:t>
             </a:r>
           </a:p>
           <a:p>
@@ -6219,7 +6102,7 @@
     </p:spTree>
     <p:extLst>
       <p:ext uri="{BB962C8B-B14F-4D97-AF65-F5344CB8AC3E}">
-        <p14:creationId xmlns:p14="http://schemas.microsoft.com/office/powerpoint/2010/main" val="34808130"/>
+        <p14:creationId xmlns:p14="http://schemas.microsoft.com/office/powerpoint/2010/main" val="1601678302"/>
       </p:ext>
     </p:extLst>
   </p:cSld>
@@ -6269,8 +6152,12 @@
           <a:lstStyle/>
           <a:p>
             <a:r>
-              <a:rPr lang="zh-CN" altLang="en-US" dirty="0" smtClean="0"/>
-              <a:t>指标管理系统</a:t>
+              <a:rPr lang="zh-CN" altLang="en-US" b="1" dirty="0"/>
+              <a:t>如何规范化定义</a:t>
+            </a:r>
+            <a:r>
+              <a:rPr lang="zh-CN" altLang="en-US" b="1" dirty="0" smtClean="0"/>
+              <a:t>指标</a:t>
             </a:r>
             <a:endParaRPr lang="zh-CN" altLang="en-US" dirty="0"/>
           </a:p>
@@ -6284,8 +6171,8 @@
         </p:nvSpPr>
         <p:spPr>
           <a:xfrm>
-            <a:off x="838200" y="2592364"/>
-            <a:ext cx="6748963" cy="646331"/>
+            <a:off x="1068224" y="2102265"/>
+            <a:ext cx="4093436" cy="1754326"/>
           </a:xfrm>
           <a:prstGeom prst="rect">
             <a:avLst/>
@@ -6293,7 +6180,7 @@
           <a:noFill/>
         </p:spPr>
         <p:txBody>
-          <a:bodyPr wrap="none" rtlCol="0">
+          <a:bodyPr wrap="square" rtlCol="0">
             <a:spAutoFit/>
           </a:bodyPr>
           <a:lstStyle/>
@@ -6303,14 +6190,13 @@
               <a:buChar char="Ø"/>
             </a:pPr>
             <a:r>
-              <a:rPr lang="zh-CN" altLang="en-US" b="1" dirty="0"/>
-              <a:t>面对一个新的指标需求，如何基于指标系统完成指标开发</a:t>
-            </a:r>
-            <a:r>
-              <a:rPr lang="zh-CN" altLang="en-US" b="1" dirty="0" smtClean="0"/>
-              <a:t>流程</a:t>
-            </a:r>
-            <a:endParaRPr lang="en-US" altLang="zh-CN" b="1" dirty="0" smtClean="0"/>
+              <a:rPr lang="zh-CN" altLang="en-US" dirty="0" smtClean="0"/>
+              <a:t>面向</a:t>
+            </a:r>
+            <a:r>
+              <a:rPr lang="zh-CN" altLang="en-US" dirty="0"/>
+              <a:t>主题域管理。</a:t>
+            </a:r>
           </a:p>
           <a:p>
             <a:pPr marL="285750" indent="-285750">
@@ -6318,8 +6204,177 @@
               <a:buChar char="Ø"/>
             </a:pPr>
             <a:r>
+              <a:rPr lang="zh-CN" altLang="en-US" dirty="0" smtClean="0"/>
+              <a:t>拆分</a:t>
+            </a:r>
+            <a:r>
+              <a:rPr lang="zh-CN" altLang="en-US" dirty="0"/>
+              <a:t>原子指标和派生指标</a:t>
+            </a:r>
+          </a:p>
+          <a:p>
+            <a:pPr marL="285750" indent="-285750">
+              <a:buFont typeface="Wingdings" panose="05000000000000000000" pitchFamily="2" charset="2"/>
+              <a:buChar char="Ø"/>
+            </a:pPr>
+            <a:r>
+              <a:rPr lang="zh-CN" altLang="en-US" dirty="0" smtClean="0"/>
+              <a:t>遵循</a:t>
+            </a:r>
+            <a:r>
+              <a:rPr lang="zh-CN" altLang="en-US" dirty="0"/>
+              <a:t>指标命名规范</a:t>
+            </a:r>
+          </a:p>
+          <a:p>
+            <a:pPr marL="285750" indent="-285750">
+              <a:buFont typeface="Wingdings" panose="05000000000000000000" pitchFamily="2" charset="2"/>
+              <a:buChar char="Ø"/>
+            </a:pPr>
+            <a:r>
+              <a:rPr lang="zh-CN" altLang="en-US" dirty="0" smtClean="0"/>
+              <a:t>关联</a:t>
+            </a:r>
+            <a:r>
+              <a:rPr lang="zh-CN" altLang="en-US" dirty="0"/>
+              <a:t>的应用和可分析维度</a:t>
+            </a:r>
+          </a:p>
+          <a:p>
+            <a:pPr marL="285750" indent="-285750">
+              <a:buFont typeface="Wingdings" panose="05000000000000000000" pitchFamily="2" charset="2"/>
+              <a:buChar char="Ø"/>
+            </a:pPr>
+            <a:r>
+              <a:rPr lang="zh-CN" altLang="en-US" dirty="0" smtClean="0"/>
+              <a:t>分</a:t>
+            </a:r>
+            <a:r>
+              <a:rPr lang="zh-CN" altLang="en-US" dirty="0"/>
+              <a:t>等级管理</a:t>
+            </a:r>
+          </a:p>
+          <a:p>
+            <a:endParaRPr lang="zh-CN" altLang="en-US" dirty="0"/>
+          </a:p>
+        </p:txBody>
+      </p:sp>
+    </p:spTree>
+    <p:extLst>
+      <p:ext uri="{BB962C8B-B14F-4D97-AF65-F5344CB8AC3E}">
+        <p14:creationId xmlns:p14="http://schemas.microsoft.com/office/powerpoint/2010/main" val="34808130"/>
+      </p:ext>
+    </p:extLst>
+  </p:cSld>
+  <p:clrMapOvr>
+    <a:masterClrMapping/>
+  </p:clrMapOvr>
+  <p:timing>
+    <p:tnLst>
+      <p:par>
+        <p:cTn id="1" dur="indefinite" restart="never" nodeType="tmRoot"/>
+      </p:par>
+    </p:tnLst>
+  </p:timing>
+</p:sld>
+</file>
+
+<file path=ppt/slides/slide25.xml><?xml version="1.0" encoding="utf-8"?>
+<p:sld xmlns:a="http://schemas.openxmlformats.org/drawingml/2006/main" xmlns:r="http://schemas.openxmlformats.org/officeDocument/2006/relationships" xmlns:p="http://schemas.openxmlformats.org/presentationml/2006/main">
+  <p:cSld>
+    <p:spTree>
+      <p:nvGrpSpPr>
+        <p:cNvPr id="1" name=""/>
+        <p:cNvGrpSpPr/>
+        <p:nvPr/>
+      </p:nvGrpSpPr>
+      <p:grpSpPr>
+        <a:xfrm>
+          <a:off x="0" y="0"/>
+          <a:ext cx="0" cy="0"/>
+          <a:chOff x="0" y="0"/>
+          <a:chExt cx="0" cy="0"/>
+        </a:xfrm>
+      </p:grpSpPr>
+      <p:sp>
+        <p:nvSpPr>
+          <p:cNvPr id="2" name="标题 1"/>
+          <p:cNvSpPr>
+            <a:spLocks noGrp="1"/>
+          </p:cNvSpPr>
+          <p:nvPr>
+            <p:ph type="title"/>
+          </p:nvPr>
+        </p:nvSpPr>
+        <p:spPr/>
+        <p:txBody>
+          <a:bodyPr/>
+          <a:lstStyle/>
+          <a:p>
+            <a:r>
+              <a:rPr lang="zh-CN" altLang="en-US" dirty="0" smtClean="0"/>
+              <a:t>指标管理系统</a:t>
+            </a:r>
+            <a:endParaRPr lang="zh-CN" altLang="en-US" dirty="0"/>
+          </a:p>
+        </p:txBody>
+      </p:sp>
+      <p:sp>
+        <p:nvSpPr>
+          <p:cNvPr id="3" name="文本框 2"/>
+          <p:cNvSpPr txBox="1"/>
+          <p:nvPr/>
+        </p:nvSpPr>
+        <p:spPr>
+          <a:xfrm>
+            <a:off x="838200" y="2592364"/>
+            <a:ext cx="6856364" cy="646331"/>
+          </a:xfrm>
+          <a:prstGeom prst="rect">
+            <a:avLst/>
+          </a:prstGeom>
+          <a:noFill/>
+        </p:spPr>
+        <p:txBody>
+          <a:bodyPr wrap="none" rtlCol="0">
+            <a:spAutoFit/>
+          </a:bodyPr>
+          <a:lstStyle/>
+          <a:p>
+            <a:pPr marL="285750" indent="-285750">
+              <a:buFont typeface="Wingdings" panose="05000000000000000000" pitchFamily="2" charset="2"/>
+              <a:buChar char="Ø"/>
+            </a:pPr>
+            <a:r>
+              <a:rPr lang="zh-CN" altLang="en-US" b="1" dirty="0"/>
+              <a:t>面对一个新的指标需求，如何基于指标系统完成指标开发</a:t>
+            </a:r>
+            <a:r>
               <a:rPr lang="zh-CN" altLang="en-US" b="1" dirty="0" smtClean="0"/>
-              <a:t>面对已经存在的，混乱的指标现状，如何进行全局梳理</a:t>
+              <a:t>流程 </a:t>
+            </a:r>
+            <a:r>
+              <a:rPr lang="en-US" altLang="zh-CN" b="1" dirty="0" smtClean="0"/>
+              <a:t>?</a:t>
+            </a:r>
+            <a:endParaRPr lang="en-US" altLang="zh-CN" b="1" dirty="0" smtClean="0"/>
+          </a:p>
+          <a:p>
+            <a:pPr marL="285750" indent="-285750">
+              <a:buFont typeface="Wingdings" panose="05000000000000000000" pitchFamily="2" charset="2"/>
+              <a:buChar char="Ø"/>
+            </a:pPr>
+            <a:r>
+              <a:rPr lang="zh-CN" altLang="en-US" b="1" dirty="0" smtClean="0"/>
+              <a:t>面对已经存在的，混乱的指标现状，如何进行全局</a:t>
+            </a:r>
+            <a:r>
+              <a:rPr lang="zh-CN" altLang="en-US" b="1" dirty="0" smtClean="0"/>
+              <a:t>梳理 </a:t>
+            </a:r>
+            <a:r>
+              <a:rPr lang="en-US" altLang="zh-CN" b="1" dirty="0" smtClean="0"/>
+              <a:t>?</a:t>
             </a:r>
             <a:endParaRPr lang="zh-CN" altLang="en-US" dirty="0" smtClean="0"/>
           </a:p>
@@ -6631,7 +6686,7 @@
 </p:sld>
 </file>
 
-<file path=ppt/slides/slide25.xml><?xml version="1.0" encoding="utf-8"?>
+<file path=ppt/slides/slide26.xml><?xml version="1.0" encoding="utf-8"?>
 <p:sld xmlns:a="http://schemas.openxmlformats.org/drawingml/2006/main" xmlns:r="http://schemas.openxmlformats.org/officeDocument/2006/relationships" xmlns:p="http://schemas.openxmlformats.org/presentationml/2006/main">
   <p:cSld>
     <p:spTree>
